--- a/2020-1-14/ppt/promise.pptx
+++ b/2020-1-14/ppt/promise.pptx
@@ -6457,7 +6457,7 @@
           <a:p>
             <a:pPr/>
             <a:r>
-              <a:t>1. 认识ajax</a:t>
+              <a:t>1. 回调</a:t>
             </a:r>
           </a:p>
         </p:txBody>
@@ -6470,8 +6470,8 @@
         </p:nvSpPr>
         <p:spPr>
           <a:xfrm>
-            <a:off x="1558642" y="5091866"/>
-            <a:ext cx="21659215" cy="1079501"/>
+            <a:off x="1558642" y="5171495"/>
+            <a:ext cx="21659215" cy="920243"/>
           </a:xfrm>
           <a:prstGeom prst="rect">
             <a:avLst/>
@@ -6505,7 +6505,7 @@
           <a:p>
             <a:pPr/>
             <a:r>
-              <a:t>2. 如何使用ajax 创建异步请求</a:t>
+              <a:t>2. promise</a:t>
             </a:r>
           </a:p>
         </p:txBody>
